--- a/M10715079/KDD期末報告-Sidekick Power.pptx
+++ b/M10715079/KDD期末報告-Sidekick Power.pptx
@@ -11,7 +11,9 @@
     <p:sldId id="259" r:id="rId5"/>
     <p:sldId id="260" r:id="rId6"/>
     <p:sldId id="261" r:id="rId7"/>
-    <p:sldId id="263" r:id="rId8"/>
+    <p:sldId id="264" r:id="rId8"/>
+    <p:sldId id="265" r:id="rId9"/>
+    <p:sldId id="263" r:id="rId10"/>
   </p:sldIdLst>
   <p:sldSz cx="12192000" cy="6858000"/>
   <p:notesSz cx="6858000" cy="9144000"/>
@@ -289,7 +291,7 @@
           <a:p>
             <a:fld id="{CB88009E-120E-4A24-A2A9-22D00577DDD1}" type="datetimeFigureOut">
               <a:rPr lang="zh-TW" altLang="en-US" smtClean="0"/>
-              <a:t>2019/5/31</a:t>
+              <a:t>2019/6/8</a:t>
             </a:fld>
             <a:endParaRPr lang="zh-TW" altLang="en-US"/>
           </a:p>
@@ -601,7 +603,7 @@
           <a:p>
             <a:fld id="{CB88009E-120E-4A24-A2A9-22D00577DDD1}" type="datetimeFigureOut">
               <a:rPr lang="zh-TW" altLang="en-US" smtClean="0"/>
-              <a:t>2019/5/31</a:t>
+              <a:t>2019/6/8</a:t>
             </a:fld>
             <a:endParaRPr lang="zh-TW" altLang="en-US"/>
           </a:p>
@@ -823,7 +825,7 @@
           <a:p>
             <a:fld id="{CB88009E-120E-4A24-A2A9-22D00577DDD1}" type="datetimeFigureOut">
               <a:rPr lang="zh-TW" altLang="en-US" smtClean="0"/>
-              <a:t>2019/5/31</a:t>
+              <a:t>2019/6/8</a:t>
             </a:fld>
             <a:endParaRPr lang="zh-TW" altLang="en-US"/>
           </a:p>
@@ -1114,7 +1116,7 @@
           <a:p>
             <a:fld id="{CB88009E-120E-4A24-A2A9-22D00577DDD1}" type="datetimeFigureOut">
               <a:rPr lang="zh-TW" altLang="en-US" smtClean="0"/>
-              <a:t>2019/5/31</a:t>
+              <a:t>2019/6/8</a:t>
             </a:fld>
             <a:endParaRPr lang="zh-TW" altLang="en-US"/>
           </a:p>
@@ -1568,7 +1570,7 @@
           <a:p>
             <a:fld id="{CB88009E-120E-4A24-A2A9-22D00577DDD1}" type="datetimeFigureOut">
               <a:rPr lang="zh-TW" altLang="en-US" smtClean="0"/>
-              <a:t>2019/5/31</a:t>
+              <a:t>2019/6/8</a:t>
             </a:fld>
             <a:endParaRPr lang="zh-TW" altLang="en-US"/>
           </a:p>
@@ -2144,7 +2146,7 @@
           <a:p>
             <a:fld id="{CB88009E-120E-4A24-A2A9-22D00577DDD1}" type="datetimeFigureOut">
               <a:rPr lang="zh-TW" altLang="en-US" smtClean="0"/>
-              <a:t>2019/5/31</a:t>
+              <a:t>2019/6/8</a:t>
             </a:fld>
             <a:endParaRPr lang="zh-TW" altLang="en-US"/>
           </a:p>
@@ -2996,7 +2998,7 @@
           <a:p>
             <a:fld id="{CB88009E-120E-4A24-A2A9-22D00577DDD1}" type="datetimeFigureOut">
               <a:rPr lang="zh-TW" altLang="en-US" smtClean="0"/>
-              <a:t>2019/5/31</a:t>
+              <a:t>2019/6/8</a:t>
             </a:fld>
             <a:endParaRPr lang="zh-TW" altLang="en-US"/>
           </a:p>
@@ -3201,7 +3203,7 @@
           <a:p>
             <a:fld id="{CB88009E-120E-4A24-A2A9-22D00577DDD1}" type="datetimeFigureOut">
               <a:rPr lang="zh-TW" altLang="en-US" smtClean="0"/>
-              <a:t>2019/5/31</a:t>
+              <a:t>2019/6/8</a:t>
             </a:fld>
             <a:endParaRPr lang="zh-TW" altLang="en-US"/>
           </a:p>
@@ -3415,7 +3417,7 @@
           <a:p>
             <a:fld id="{CB88009E-120E-4A24-A2A9-22D00577DDD1}" type="datetimeFigureOut">
               <a:rPr lang="zh-TW" altLang="en-US" smtClean="0"/>
-              <a:t>2019/5/31</a:t>
+              <a:t>2019/6/8</a:t>
             </a:fld>
             <a:endParaRPr lang="zh-TW" altLang="en-US"/>
           </a:p>
@@ -3620,7 +3622,7 @@
           <a:p>
             <a:fld id="{CB88009E-120E-4A24-A2A9-22D00577DDD1}" type="datetimeFigureOut">
               <a:rPr lang="zh-TW" altLang="en-US" smtClean="0"/>
-              <a:t>2019/5/31</a:t>
+              <a:t>2019/6/8</a:t>
             </a:fld>
             <a:endParaRPr lang="zh-TW" altLang="en-US"/>
           </a:p>
@@ -3900,7 +3902,7 @@
           <a:p>
             <a:fld id="{CB88009E-120E-4A24-A2A9-22D00577DDD1}" type="datetimeFigureOut">
               <a:rPr lang="zh-TW" altLang="en-US" smtClean="0"/>
-              <a:t>2019/5/31</a:t>
+              <a:t>2019/6/8</a:t>
             </a:fld>
             <a:endParaRPr lang="zh-TW" altLang="en-US"/>
           </a:p>
@@ -4167,7 +4169,7 @@
           <a:p>
             <a:fld id="{CB88009E-120E-4A24-A2A9-22D00577DDD1}" type="datetimeFigureOut">
               <a:rPr lang="zh-TW" altLang="en-US" smtClean="0"/>
-              <a:t>2019/5/31</a:t>
+              <a:t>2019/6/8</a:t>
             </a:fld>
             <a:endParaRPr lang="zh-TW" altLang="en-US"/>
           </a:p>
@@ -4582,7 +4584,7 @@
           <a:p>
             <a:fld id="{CB88009E-120E-4A24-A2A9-22D00577DDD1}" type="datetimeFigureOut">
               <a:rPr lang="zh-TW" altLang="en-US" smtClean="0"/>
-              <a:t>2019/5/31</a:t>
+              <a:t>2019/6/8</a:t>
             </a:fld>
             <a:endParaRPr lang="zh-TW" altLang="en-US"/>
           </a:p>
@@ -4730,7 +4732,7 @@
           <a:p>
             <a:fld id="{CB88009E-120E-4A24-A2A9-22D00577DDD1}" type="datetimeFigureOut">
               <a:rPr lang="zh-TW" altLang="en-US" smtClean="0"/>
-              <a:t>2019/5/31</a:t>
+              <a:t>2019/6/8</a:t>
             </a:fld>
             <a:endParaRPr lang="zh-TW" altLang="en-US"/>
           </a:p>
@@ -4855,7 +4857,7 @@
           <a:p>
             <a:fld id="{CB88009E-120E-4A24-A2A9-22D00577DDD1}" type="datetimeFigureOut">
               <a:rPr lang="zh-TW" altLang="en-US" smtClean="0"/>
-              <a:t>2019/5/31</a:t>
+              <a:t>2019/6/8</a:t>
             </a:fld>
             <a:endParaRPr lang="zh-TW" altLang="en-US"/>
           </a:p>
@@ -5134,7 +5136,7 @@
           <a:p>
             <a:fld id="{CB88009E-120E-4A24-A2A9-22D00577DDD1}" type="datetimeFigureOut">
               <a:rPr lang="zh-TW" altLang="en-US" smtClean="0"/>
-              <a:t>2019/5/31</a:t>
+              <a:t>2019/6/8</a:t>
             </a:fld>
             <a:endParaRPr lang="zh-TW" altLang="en-US"/>
           </a:p>
@@ -5446,7 +5448,7 @@
           <a:p>
             <a:fld id="{CB88009E-120E-4A24-A2A9-22D00577DDD1}" type="datetimeFigureOut">
               <a:rPr lang="zh-TW" altLang="en-US" smtClean="0"/>
-              <a:t>2019/5/31</a:t>
+              <a:t>2019/6/8</a:t>
             </a:fld>
             <a:endParaRPr lang="zh-TW" altLang="en-US"/>
           </a:p>
@@ -5699,7 +5701,7 @@
           <a:p>
             <a:fld id="{CB88009E-120E-4A24-A2A9-22D00577DDD1}" type="datetimeFigureOut">
               <a:rPr lang="zh-TW" altLang="en-US" smtClean="0"/>
-              <a:t>2019/5/31</a:t>
+              <a:t>2019/6/8</a:t>
             </a:fld>
             <a:endParaRPr lang="zh-TW" altLang="en-US"/>
           </a:p>
@@ -6459,7 +6461,7 @@
         </p:nvSpPr>
         <p:spPr>
           <a:xfrm>
-            <a:off x="799475" y="1625611"/>
+            <a:off x="799475" y="1707672"/>
             <a:ext cx="10363826" cy="4731228"/>
           </a:xfrm>
         </p:spPr>
@@ -6471,24 +6473,24 @@
           <a:p>
             <a:pPr>
               <a:lnSpc>
-                <a:spcPct val="200000"/>
+                <a:spcPct val="150000"/>
               </a:lnSpc>
             </a:pPr>
             <a:r>
-              <a:rPr lang="zh-TW" altLang="en-US" sz="3200" b="1" dirty="0">
+              <a:rPr lang="zh-TW" altLang="en-US" sz="2800" b="1" dirty="0">
                 <a:latin typeface="微軟正黑體" panose="020B0604030504040204" pitchFamily="34" charset="-120"/>
                 <a:ea typeface="微軟正黑體" panose="020B0604030504040204" pitchFamily="34" charset="-120"/>
               </a:rPr>
               <a:t>實作</a:t>
             </a:r>
             <a:r>
-              <a:rPr lang="zh-TW" altLang="en-US" sz="3200" b="1" dirty="0" smtClean="0">
+              <a:rPr lang="zh-TW" altLang="en-US" sz="2800" b="1" dirty="0" smtClean="0">
                 <a:latin typeface="微軟正黑體" panose="020B0604030504040204" pitchFamily="34" charset="-120"/>
                 <a:ea typeface="微軟正黑體" panose="020B0604030504040204" pitchFamily="34" charset="-120"/>
               </a:rPr>
               <a:t>方法</a:t>
             </a:r>
-            <a:endParaRPr lang="en-US" altLang="zh-TW" sz="3200" b="1" dirty="0" smtClean="0">
+            <a:endParaRPr lang="en-US" altLang="zh-TW" sz="2800" b="1" dirty="0" smtClean="0">
               <a:latin typeface="微軟正黑體" panose="020B0604030504040204" pitchFamily="34" charset="-120"/>
               <a:ea typeface="微軟正黑體" panose="020B0604030504040204" pitchFamily="34" charset="-120"/>
             </a:endParaRPr>
@@ -6496,31 +6498,31 @@
           <a:p>
             <a:pPr>
               <a:lnSpc>
-                <a:spcPct val="200000"/>
+                <a:spcPct val="150000"/>
               </a:lnSpc>
             </a:pPr>
             <a:r>
-              <a:rPr lang="zh-TW" altLang="en-US" sz="3200" b="1" dirty="0" smtClean="0">
+              <a:rPr lang="zh-TW" altLang="en-US" sz="2800" b="1" dirty="0" smtClean="0">
                 <a:latin typeface="微軟正黑體" panose="020B0604030504040204" pitchFamily="34" charset="-120"/>
                 <a:ea typeface="微軟正黑體" panose="020B0604030504040204" pitchFamily="34" charset="-120"/>
               </a:rPr>
               <a:t>使</a:t>
             </a:r>
             <a:r>
-              <a:rPr lang="zh-TW" altLang="en-US" sz="3200" b="1" dirty="0">
+              <a:rPr lang="zh-TW" altLang="en-US" sz="2800" b="1" dirty="0">
                 <a:latin typeface="微軟正黑體" panose="020B0604030504040204" pitchFamily="34" charset="-120"/>
                 <a:ea typeface="微軟正黑體" panose="020B0604030504040204" pitchFamily="34" charset="-120"/>
               </a:rPr>
               <a:t>用</a:t>
             </a:r>
             <a:r>
-              <a:rPr lang="zh-TW" altLang="en-US" sz="3200" b="1" dirty="0" smtClean="0">
+              <a:rPr lang="zh-TW" altLang="en-US" sz="2800" b="1" dirty="0" smtClean="0">
                 <a:latin typeface="微軟正黑體" panose="020B0604030504040204" pitchFamily="34" charset="-120"/>
                 <a:ea typeface="微軟正黑體" panose="020B0604030504040204" pitchFamily="34" charset="-120"/>
               </a:rPr>
               <a:t>特徵、標籤</a:t>
             </a:r>
-            <a:endParaRPr lang="en-US" altLang="zh-TW" sz="3200" b="1" dirty="0">
+            <a:endParaRPr lang="en-US" altLang="zh-TW" sz="2800" b="1" dirty="0">
               <a:latin typeface="微軟正黑體" panose="020B0604030504040204" pitchFamily="34" charset="-120"/>
               <a:ea typeface="微軟正黑體" panose="020B0604030504040204" pitchFamily="34" charset="-120"/>
             </a:endParaRPr>
@@ -6528,17 +6530,17 @@
           <a:p>
             <a:pPr>
               <a:lnSpc>
-                <a:spcPct val="200000"/>
+                <a:spcPct val="150000"/>
               </a:lnSpc>
             </a:pPr>
             <a:r>
-              <a:rPr lang="zh-TW" altLang="en-US" sz="3200" b="1" dirty="0" smtClean="0">
+              <a:rPr lang="zh-TW" altLang="en-US" sz="2800" b="1" dirty="0" smtClean="0">
                 <a:latin typeface="微軟正黑體" panose="020B0604030504040204" pitchFamily="34" charset="-120"/>
                 <a:ea typeface="微軟正黑體" panose="020B0604030504040204" pitchFamily="34" charset="-120"/>
               </a:rPr>
               <a:t>第一階段最終結果</a:t>
             </a:r>
-            <a:endParaRPr lang="en-US" altLang="zh-TW" sz="3200" b="1" dirty="0" smtClean="0">
+            <a:endParaRPr lang="en-US" altLang="zh-TW" sz="2800" b="1" dirty="0" smtClean="0">
               <a:latin typeface="微軟正黑體" panose="020B0604030504040204" pitchFamily="34" charset="-120"/>
               <a:ea typeface="微軟正黑體" panose="020B0604030504040204" pitchFamily="34" charset="-120"/>
             </a:endParaRPr>
@@ -6546,17 +6548,17 @@
           <a:p>
             <a:pPr>
               <a:lnSpc>
-                <a:spcPct val="200000"/>
+                <a:spcPct val="150000"/>
               </a:lnSpc>
             </a:pPr>
             <a:r>
-              <a:rPr lang="zh-TW" altLang="en-US" sz="3200" b="1" dirty="0" smtClean="0">
+              <a:rPr lang="zh-TW" altLang="en-US" sz="2800" b="1" dirty="0" smtClean="0">
                 <a:latin typeface="微軟正黑體" panose="020B0604030504040204" pitchFamily="34" charset="-120"/>
                 <a:ea typeface="微軟正黑體" panose="020B0604030504040204" pitchFamily="34" charset="-120"/>
               </a:rPr>
               <a:t>結果分析</a:t>
             </a:r>
-            <a:endParaRPr lang="en-US" altLang="zh-TW" sz="3200" b="1" dirty="0">
+            <a:endParaRPr lang="en-US" altLang="zh-TW" sz="2800" b="1" dirty="0" smtClean="0">
               <a:latin typeface="微軟正黑體" panose="020B0604030504040204" pitchFamily="34" charset="-120"/>
               <a:ea typeface="微軟正黑體" panose="020B0604030504040204" pitchFamily="34" charset="-120"/>
             </a:endParaRPr>
@@ -6564,10 +6566,53 @@
           <a:p>
             <a:pPr>
               <a:lnSpc>
-                <a:spcPct val="200000"/>
+                <a:spcPct val="150000"/>
               </a:lnSpc>
             </a:pPr>
-            <a:endParaRPr lang="zh-TW" altLang="en-US" sz="3200" dirty="0"/>
+            <a:r>
+              <a:rPr lang="zh-TW" altLang="en-US" sz="2800" b="1" dirty="0" smtClean="0">
+                <a:latin typeface="微軟正黑體" panose="020B0604030504040204" pitchFamily="34" charset="-120"/>
+                <a:ea typeface="微軟正黑體" panose="020B0604030504040204" pitchFamily="34" charset="-120"/>
+              </a:rPr>
+              <a:t>組員</a:t>
+            </a:r>
+            <a:r>
+              <a:rPr lang="zh-TW" altLang="en-US" sz="2800" b="1" dirty="0" smtClean="0">
+                <a:latin typeface="微軟正黑體" panose="020B0604030504040204" pitchFamily="34" charset="-120"/>
+                <a:ea typeface="微軟正黑體" panose="020B0604030504040204" pitchFamily="34" charset="-120"/>
+              </a:rPr>
+              <a:t>分工</a:t>
+            </a:r>
+            <a:endParaRPr lang="en-US" altLang="zh-TW" sz="2800" b="1" dirty="0" smtClean="0">
+              <a:latin typeface="微軟正黑體" panose="020B0604030504040204" pitchFamily="34" charset="-120"/>
+              <a:ea typeface="微軟正黑體" panose="020B0604030504040204" pitchFamily="34" charset="-120"/>
+            </a:endParaRPr>
+          </a:p>
+          <a:p>
+            <a:pPr>
+              <a:lnSpc>
+                <a:spcPct val="150000"/>
+              </a:lnSpc>
+            </a:pPr>
+            <a:r>
+              <a:rPr lang="zh-TW" altLang="en-US" sz="2800" b="1" dirty="0" smtClean="0">
+                <a:latin typeface="微軟正黑體" panose="020B0604030504040204" pitchFamily="34" charset="-120"/>
+                <a:ea typeface="微軟正黑體" panose="020B0604030504040204" pitchFamily="34" charset="-120"/>
+              </a:rPr>
+              <a:t>參賽心得</a:t>
+            </a:r>
+            <a:endParaRPr lang="en-US" altLang="zh-TW" sz="2800" b="1" dirty="0">
+              <a:latin typeface="微軟正黑體" panose="020B0604030504040204" pitchFamily="34" charset="-120"/>
+              <a:ea typeface="微軟正黑體" panose="020B0604030504040204" pitchFamily="34" charset="-120"/>
+            </a:endParaRPr>
+          </a:p>
+          <a:p>
+            <a:pPr>
+              <a:lnSpc>
+                <a:spcPct val="150000"/>
+              </a:lnSpc>
+            </a:pPr>
+            <a:endParaRPr lang="zh-TW" altLang="en-US" sz="2800" dirty="0"/>
           </a:p>
         </p:txBody>
       </p:sp>
@@ -6673,13 +6718,6 @@
               </a:rPr>
               <a:t>)</a:t>
             </a:r>
-            <a:r>
-              <a:rPr lang="en-US" altLang="zh-TW" sz="4000" b="1" dirty="0">
-                <a:latin typeface="微軟正黑體" panose="020B0604030504040204" pitchFamily="34" charset="-120"/>
-                <a:ea typeface="微軟正黑體" panose="020B0604030504040204" pitchFamily="34" charset="-120"/>
-              </a:rPr>
-              <a:t/>
-            </a:r>
             <a:br>
               <a:rPr lang="en-US" altLang="zh-TW" sz="4000" b="1" dirty="0">
                 <a:latin typeface="微軟正黑體" panose="020B0604030504040204" pitchFamily="34" charset="-120"/>
@@ -6745,8 +6783,8 @@
         </p:blipFill>
         <p:spPr>
           <a:xfrm>
-            <a:off x="320270" y="1624335"/>
-            <a:ext cx="8377415" cy="3276916"/>
+            <a:off x="83078" y="2127738"/>
+            <a:ext cx="8377415" cy="4379940"/>
           </a:xfrm>
           <a:prstGeom prst="rect">
             <a:avLst/>
@@ -6761,7 +6799,7 @@
         </p:nvSpPr>
         <p:spPr>
           <a:xfrm>
-            <a:off x="8780585" y="4901251"/>
+            <a:off x="8549678" y="3236654"/>
             <a:ext cx="3411415" cy="2554545"/>
           </a:xfrm>
           <a:prstGeom prst="rect">
@@ -6871,36 +6909,6 @@
           </a:p>
         </p:txBody>
       </p:sp>
-      <p:pic>
-        <p:nvPicPr>
-          <p:cNvPr id="4" name="圖片 3"/>
-          <p:cNvPicPr>
-            <a:picLocks noChangeAspect="1"/>
-          </p:cNvPicPr>
-          <p:nvPr/>
-        </p:nvPicPr>
-        <p:blipFill>
-          <a:blip r:embed="rId3">
-            <a:extLst>
-              <a:ext uri="{28A0092B-C50C-407E-A947-70E740481C1C}">
-                <a14:useLocalDpi xmlns:a14="http://schemas.microsoft.com/office/drawing/2010/main" val="0"/>
-              </a:ext>
-            </a:extLst>
-          </a:blip>
-          <a:stretch>
-            <a:fillRect/>
-          </a:stretch>
-        </p:blipFill>
-        <p:spPr>
-          <a:xfrm>
-            <a:off x="438357" y="4971934"/>
-            <a:ext cx="8259328" cy="1798143"/>
-          </a:xfrm>
-          <a:prstGeom prst="rect">
-            <a:avLst/>
-          </a:prstGeom>
-        </p:spPr>
-      </p:pic>
     </p:spTree>
     <p:extLst>
       <p:ext uri="{BB962C8B-B14F-4D97-AF65-F5344CB8AC3E}">
@@ -6950,7 +6958,7 @@
         </p:nvSpPr>
         <p:spPr>
           <a:xfrm>
-            <a:off x="977468" y="1011398"/>
+            <a:off x="827999" y="897098"/>
             <a:ext cx="10364451" cy="753083"/>
           </a:xfrm>
         </p:spPr>
@@ -7001,7 +7009,7 @@
           <p:nvPr>
             <p:extLst>
               <p:ext uri="{D42A27DB-BD31-4B8C-83A1-F6EECF244321}">
-                <p14:modId xmlns:p14="http://schemas.microsoft.com/office/powerpoint/2010/main" val="1570503732"/>
+                <p14:modId xmlns:p14="http://schemas.microsoft.com/office/powerpoint/2010/main" val="3120957797"/>
               </p:ext>
             </p:extLst>
           </p:nvPr>
@@ -7447,7 +7455,7 @@
                           <a:latin typeface="微軟正黑體" panose="020B0604030504040204" pitchFamily="34" charset="-120"/>
                           <a:ea typeface="微軟正黑體" panose="020B0604030504040204" pitchFamily="34" charset="-120"/>
                         </a:rPr>
-                        <a:t>7</a:t>
+                        <a:t>5</a:t>
                       </a:r>
                       <a:endParaRPr lang="zh-TW" altLang="en-US" sz="1400" b="1" dirty="0">
                         <a:latin typeface="微軟正黑體" panose="020B0604030504040204" pitchFamily="34" charset="-120"/>
@@ -7676,7 +7684,7 @@
         <p:spPr>
           <a:xfrm>
             <a:off x="462281" y="2029021"/>
-            <a:ext cx="1005403" cy="584775"/>
+            <a:ext cx="2029723" cy="584775"/>
           </a:xfrm>
           <a:prstGeom prst="rect">
             <a:avLst/>
@@ -7694,6 +7702,13 @@
                 <a:ea typeface="微軟正黑體" panose="020B0604030504040204" pitchFamily="34" charset="-120"/>
               </a:rPr>
               <a:t>特徵</a:t>
+            </a:r>
+            <a:r>
+              <a:rPr lang="en-US" altLang="zh-TW" sz="3200" b="1" smtClean="0">
+                <a:latin typeface="微軟正黑體" panose="020B0604030504040204" pitchFamily="34" charset="-120"/>
+                <a:ea typeface="微軟正黑體" panose="020B0604030504040204" pitchFamily="34" charset="-120"/>
+              </a:rPr>
+              <a:t>(122)</a:t>
             </a:r>
             <a:endParaRPr lang="zh-TW" altLang="en-US" sz="3200" dirty="0"/>
           </a:p>
@@ -7747,7 +7762,7 @@
         </p:nvGraphicFramePr>
         <p:xfrm>
           <a:off x="567789" y="5310554"/>
-          <a:ext cx="8128000" cy="824738"/>
+          <a:ext cx="8128000" cy="914400"/>
         </p:xfrm>
         <a:graphic>
           <a:graphicData uri="http://schemas.openxmlformats.org/drawingml/2006/table">
@@ -8152,7 +8167,7 @@
         </p:spPr>
         <p:txBody>
           <a:bodyPr>
-            <a:normAutofit lnSpcReduction="10000"/>
+            <a:normAutofit fontScale="92500"/>
           </a:bodyPr>
           <a:lstStyle/>
           <a:p>
@@ -8207,7 +8222,7 @@
                 <a:latin typeface="微軟正黑體" panose="020B0604030504040204" pitchFamily="34" charset="-120"/>
                 <a:ea typeface="微軟正黑體" panose="020B0604030504040204" pitchFamily="34" charset="-120"/>
               </a:rPr>
-              <a:t>進行預測，但結果跟全部一起訓練的結果差不多，丟一起訓練的</a:t>
+              <a:t>進行預測，但結果跟全部資料放一起訓練的結果差不多，有時全部資料一起訓練的</a:t>
             </a:r>
             <a:r>
               <a:rPr lang="en-US" altLang="zh-TW" sz="2800" b="1" dirty="0" smtClean="0">
@@ -8364,6 +8379,312 @@
 </file>
 
 <file path=ppt/slides/slide7.xml><?xml version="1.0" encoding="utf-8"?>
+<p:sld xmlns:a="http://schemas.openxmlformats.org/drawingml/2006/main" xmlns:r="http://schemas.openxmlformats.org/officeDocument/2006/relationships" xmlns:p="http://schemas.openxmlformats.org/presentationml/2006/main">
+  <p:cSld>
+    <p:spTree>
+      <p:nvGrpSpPr>
+        <p:cNvPr id="1" name=""/>
+        <p:cNvGrpSpPr/>
+        <p:nvPr/>
+      </p:nvGrpSpPr>
+      <p:grpSpPr>
+        <a:xfrm>
+          <a:off x="0" y="0"/>
+          <a:ext cx="0" cy="0"/>
+          <a:chOff x="0" y="0"/>
+          <a:chExt cx="0" cy="0"/>
+        </a:xfrm>
+      </p:grpSpPr>
+      <p:sp>
+        <p:nvSpPr>
+          <p:cNvPr id="2" name="標題 1"/>
+          <p:cNvSpPr>
+            <a:spLocks noGrp="1"/>
+          </p:cNvSpPr>
+          <p:nvPr>
+            <p:ph type="title"/>
+          </p:nvPr>
+        </p:nvSpPr>
+        <p:spPr>
+          <a:xfrm>
+            <a:off x="913776" y="618517"/>
+            <a:ext cx="2755548" cy="1139945"/>
+          </a:xfrm>
+        </p:spPr>
+        <p:txBody>
+          <a:bodyPr>
+            <a:normAutofit/>
+          </a:bodyPr>
+          <a:lstStyle/>
+          <a:p>
+            <a:pPr algn="l"/>
+            <a:r>
+              <a:rPr lang="zh-TW" altLang="en-US" sz="4000" b="1" dirty="0" smtClean="0">
+                <a:latin typeface="微軟正黑體" panose="020B0604030504040204" pitchFamily="34" charset="-120"/>
+                <a:ea typeface="微軟正黑體" panose="020B0604030504040204" pitchFamily="34" charset="-120"/>
+              </a:rPr>
+              <a:t>組員分工</a:t>
+            </a:r>
+            <a:endParaRPr lang="zh-TW" altLang="en-US" sz="4000" b="1" dirty="0">
+              <a:latin typeface="微軟正黑體" panose="020B0604030504040204" pitchFamily="34" charset="-120"/>
+              <a:ea typeface="微軟正黑體" panose="020B0604030504040204" pitchFamily="34" charset="-120"/>
+            </a:endParaRPr>
+          </a:p>
+        </p:txBody>
+      </p:sp>
+      <p:sp>
+        <p:nvSpPr>
+          <p:cNvPr id="3" name="內容版面配置區 2"/>
+          <p:cNvSpPr>
+            <a:spLocks noGrp="1"/>
+          </p:cNvSpPr>
+          <p:nvPr>
+            <p:ph sz="quarter" idx="13"/>
+          </p:nvPr>
+        </p:nvSpPr>
+        <p:spPr>
+          <a:xfrm>
+            <a:off x="913776" y="1992924"/>
+            <a:ext cx="10363826" cy="3716214"/>
+          </a:xfrm>
+        </p:spPr>
+        <p:txBody>
+          <a:bodyPr>
+            <a:normAutofit/>
+          </a:bodyPr>
+          <a:lstStyle/>
+          <a:p>
+            <a:pPr>
+              <a:lnSpc>
+                <a:spcPct val="250000"/>
+              </a:lnSpc>
+            </a:pPr>
+            <a:r>
+              <a:rPr lang="zh-TW" altLang="en-US" sz="3200" b="1" dirty="0">
+                <a:latin typeface="微軟正黑體" panose="020B0604030504040204" pitchFamily="34" charset="-120"/>
+                <a:ea typeface="微軟正黑體" panose="020B0604030504040204" pitchFamily="34" charset="-120"/>
+              </a:rPr>
+              <a:t>蔡秉</a:t>
+            </a:r>
+            <a:r>
+              <a:rPr lang="zh-TW" altLang="en-US" sz="3200" b="1" dirty="0" smtClean="0">
+                <a:latin typeface="微軟正黑體" panose="020B0604030504040204" pitchFamily="34" charset="-120"/>
+                <a:ea typeface="微軟正黑體" panose="020B0604030504040204" pitchFamily="34" charset="-120"/>
+              </a:rPr>
+              <a:t>宸 </a:t>
+            </a:r>
+            <a:r>
+              <a:rPr lang="en-US" altLang="zh-TW" sz="3200" b="1" dirty="0" smtClean="0">
+                <a:latin typeface="微軟正黑體" panose="020B0604030504040204" pitchFamily="34" charset="-120"/>
+                <a:ea typeface="微軟正黑體" panose="020B0604030504040204" pitchFamily="34" charset="-120"/>
+              </a:rPr>
+              <a:t>:</a:t>
+            </a:r>
+            <a:r>
+              <a:rPr lang="zh-TW" altLang="en-US" sz="3200" b="1" dirty="0" smtClean="0">
+                <a:latin typeface="微軟正黑體" panose="020B0604030504040204" pitchFamily="34" charset="-120"/>
+                <a:ea typeface="微軟正黑體" panose="020B0604030504040204" pitchFamily="34" charset="-120"/>
+              </a:rPr>
+              <a:t> 資料預處理合併，特徵收集</a:t>
+            </a:r>
+            <a:endParaRPr lang="en-US" altLang="zh-TW" sz="3200" b="1" dirty="0">
+              <a:latin typeface="微軟正黑體" panose="020B0604030504040204" pitchFamily="34" charset="-120"/>
+              <a:ea typeface="微軟正黑體" panose="020B0604030504040204" pitchFamily="34" charset="-120"/>
+            </a:endParaRPr>
+          </a:p>
+          <a:p>
+            <a:pPr>
+              <a:lnSpc>
+                <a:spcPct val="250000"/>
+              </a:lnSpc>
+            </a:pPr>
+            <a:r>
+              <a:rPr lang="zh-TW" altLang="en-US" sz="3200" b="1" dirty="0" smtClean="0">
+                <a:latin typeface="微軟正黑體" panose="020B0604030504040204" pitchFamily="34" charset="-120"/>
+                <a:ea typeface="微軟正黑體" panose="020B0604030504040204" pitchFamily="34" charset="-120"/>
+              </a:rPr>
+              <a:t>林</a:t>
+            </a:r>
+            <a:r>
+              <a:rPr lang="zh-TW" altLang="en-US" sz="3200" b="1" dirty="0">
+                <a:latin typeface="微軟正黑體" panose="020B0604030504040204" pitchFamily="34" charset="-120"/>
+                <a:ea typeface="微軟正黑體" panose="020B0604030504040204" pitchFamily="34" charset="-120"/>
+              </a:rPr>
+              <a:t>軒</a:t>
+            </a:r>
+            <a:r>
+              <a:rPr lang="zh-TW" altLang="en-US" sz="3200" b="1" dirty="0" smtClean="0">
+                <a:latin typeface="微軟正黑體" panose="020B0604030504040204" pitchFamily="34" charset="-120"/>
+                <a:ea typeface="微軟正黑體" panose="020B0604030504040204" pitchFamily="34" charset="-120"/>
+              </a:rPr>
+              <a:t>而 </a:t>
+            </a:r>
+            <a:r>
+              <a:rPr lang="en-US" altLang="zh-TW" sz="3200" b="1" dirty="0" smtClean="0">
+                <a:latin typeface="微軟正黑體" panose="020B0604030504040204" pitchFamily="34" charset="-120"/>
+                <a:ea typeface="微軟正黑體" panose="020B0604030504040204" pitchFamily="34" charset="-120"/>
+              </a:rPr>
+              <a:t>:</a:t>
+            </a:r>
+            <a:r>
+              <a:rPr lang="zh-TW" altLang="en-US" sz="3200" b="1" dirty="0" smtClean="0">
+                <a:latin typeface="微軟正黑體" panose="020B0604030504040204" pitchFamily="34" charset="-120"/>
+                <a:ea typeface="微軟正黑體" panose="020B0604030504040204" pitchFamily="34" charset="-120"/>
+              </a:rPr>
+              <a:t> 模型建構，微調模型參數</a:t>
+            </a:r>
+            <a:endParaRPr lang="zh-TW" altLang="en-US" sz="3200" b="1" dirty="0">
+              <a:latin typeface="微軟正黑體" panose="020B0604030504040204" pitchFamily="34" charset="-120"/>
+              <a:ea typeface="微軟正黑體" panose="020B0604030504040204" pitchFamily="34" charset="-120"/>
+            </a:endParaRPr>
+          </a:p>
+          <a:p>
+            <a:pPr>
+              <a:lnSpc>
+                <a:spcPct val="250000"/>
+              </a:lnSpc>
+            </a:pPr>
+            <a:endParaRPr lang="zh-TW" altLang="en-US" sz="3200" dirty="0"/>
+          </a:p>
+        </p:txBody>
+      </p:sp>
+    </p:spTree>
+    <p:extLst>
+      <p:ext uri="{BB962C8B-B14F-4D97-AF65-F5344CB8AC3E}">
+        <p14:creationId xmlns:p14="http://schemas.microsoft.com/office/powerpoint/2010/main" val="3450583613"/>
+      </p:ext>
+    </p:extLst>
+  </p:cSld>
+  <p:clrMapOvr>
+    <a:masterClrMapping/>
+  </p:clrMapOvr>
+</p:sld>
+</file>
+
+<file path=ppt/slides/slide8.xml><?xml version="1.0" encoding="utf-8"?>
+<p:sld xmlns:a="http://schemas.openxmlformats.org/drawingml/2006/main" xmlns:r="http://schemas.openxmlformats.org/officeDocument/2006/relationships" xmlns:p="http://schemas.openxmlformats.org/presentationml/2006/main">
+  <p:cSld>
+    <p:spTree>
+      <p:nvGrpSpPr>
+        <p:cNvPr id="1" name=""/>
+        <p:cNvGrpSpPr/>
+        <p:nvPr/>
+      </p:nvGrpSpPr>
+      <p:grpSpPr>
+        <a:xfrm>
+          <a:off x="0" y="0"/>
+          <a:ext cx="0" cy="0"/>
+          <a:chOff x="0" y="0"/>
+          <a:chExt cx="0" cy="0"/>
+        </a:xfrm>
+      </p:grpSpPr>
+      <p:sp>
+        <p:nvSpPr>
+          <p:cNvPr id="2" name="標題 1"/>
+          <p:cNvSpPr>
+            <a:spLocks noGrp="1"/>
+          </p:cNvSpPr>
+          <p:nvPr>
+            <p:ph type="title"/>
+          </p:nvPr>
+        </p:nvSpPr>
+        <p:spPr>
+          <a:xfrm>
+            <a:off x="784821" y="501287"/>
+            <a:ext cx="2884502" cy="1222006"/>
+          </a:xfrm>
+        </p:spPr>
+        <p:txBody>
+          <a:bodyPr>
+            <a:normAutofit/>
+          </a:bodyPr>
+          <a:lstStyle/>
+          <a:p>
+            <a:pPr algn="l"/>
+            <a:r>
+              <a:rPr lang="zh-TW" altLang="en-US" sz="4000" b="1" dirty="0" smtClean="0">
+                <a:latin typeface="微軟正黑體" panose="020B0604030504040204" pitchFamily="34" charset="-120"/>
+                <a:ea typeface="微軟正黑體" panose="020B0604030504040204" pitchFamily="34" charset="-120"/>
+              </a:rPr>
+              <a:t>參賽心得</a:t>
+            </a:r>
+            <a:endParaRPr lang="zh-TW" altLang="en-US" sz="4000" b="1" dirty="0">
+              <a:latin typeface="微軟正黑體" panose="020B0604030504040204" pitchFamily="34" charset="-120"/>
+              <a:ea typeface="微軟正黑體" panose="020B0604030504040204" pitchFamily="34" charset="-120"/>
+            </a:endParaRPr>
+          </a:p>
+        </p:txBody>
+      </p:sp>
+      <p:sp>
+        <p:nvSpPr>
+          <p:cNvPr id="3" name="內容版面配置區 2"/>
+          <p:cNvSpPr>
+            <a:spLocks noGrp="1"/>
+          </p:cNvSpPr>
+          <p:nvPr>
+            <p:ph sz="quarter" idx="13"/>
+          </p:nvPr>
+        </p:nvSpPr>
+        <p:spPr>
+          <a:xfrm>
+            <a:off x="902051" y="2085738"/>
+            <a:ext cx="10363826" cy="4068877"/>
+          </a:xfrm>
+        </p:spPr>
+        <p:txBody>
+          <a:bodyPr>
+            <a:noAutofit/>
+          </a:bodyPr>
+          <a:lstStyle/>
+          <a:p>
+            <a:pPr marL="0" indent="0">
+              <a:lnSpc>
+                <a:spcPct val="150000"/>
+              </a:lnSpc>
+              <a:buNone/>
+            </a:pPr>
+            <a:r>
+              <a:rPr lang="zh-TW" altLang="en-US" sz="2400" b="1" dirty="0" smtClean="0">
+                <a:latin typeface="微軟正黑體" panose="020B0604030504040204" pitchFamily="34" charset="-120"/>
+                <a:ea typeface="微軟正黑體" panose="020B0604030504040204" pitchFamily="34" charset="-120"/>
+              </a:rPr>
+              <a:t>從課堂中學習的東西應用到比賽中，</a:t>
+            </a:r>
+            <a:r>
+              <a:rPr lang="en-US" altLang="zh-TW" sz="2400" b="1" dirty="0" smtClean="0">
+                <a:latin typeface="微軟正黑體" panose="020B0604030504040204" pitchFamily="34" charset="-120"/>
+                <a:ea typeface="微軟正黑體" panose="020B0604030504040204" pitchFamily="34" charset="-120"/>
+              </a:rPr>
+              <a:t>KDD</a:t>
+            </a:r>
+            <a:r>
+              <a:rPr lang="zh-TW" altLang="en-US" sz="2400" b="1" dirty="0" smtClean="0">
+                <a:latin typeface="微軟正黑體" panose="020B0604030504040204" pitchFamily="34" charset="-120"/>
+                <a:ea typeface="微軟正黑體" panose="020B0604030504040204" pitchFamily="34" charset="-120"/>
+              </a:rPr>
+              <a:t>比賽讓我們學習處理龐大原始的數據資料，從第一手的資料慢慢篩選出來我們需要的特徵，並為了讓準確率提升還要額外去加入原始資料所沒有的特徵幫助訓練提高準確率，另外還有不同的機器學習方法跟深度學習的方法需要去了解，因為不同的方法結果都可能會有不同的準確率，盡可能地去找出適合比賽資料需要的方法也是這次比賽中學習到很重要的一件事情，雖然最後比賽結果沒有很理想，但這是一次從無到有的經驗，日後也能把這次比賽的經驗吸收並用於往後的研究裡。</a:t>
+            </a:r>
+            <a:endParaRPr lang="zh-TW" altLang="en-US" sz="2400" b="1" dirty="0">
+              <a:latin typeface="微軟正黑體" panose="020B0604030504040204" pitchFamily="34" charset="-120"/>
+              <a:ea typeface="微軟正黑體" panose="020B0604030504040204" pitchFamily="34" charset="-120"/>
+            </a:endParaRPr>
+          </a:p>
+        </p:txBody>
+      </p:sp>
+    </p:spTree>
+    <p:extLst>
+      <p:ext uri="{BB962C8B-B14F-4D97-AF65-F5344CB8AC3E}">
+        <p14:creationId xmlns:p14="http://schemas.microsoft.com/office/powerpoint/2010/main" val="3747629186"/>
+      </p:ext>
+    </p:extLst>
+  </p:cSld>
+  <p:clrMapOvr>
+    <a:masterClrMapping/>
+  </p:clrMapOvr>
+</p:sld>
+</file>
+
+<file path=ppt/slides/slide9.xml><?xml version="1.0" encoding="utf-8"?>
 <p:sld xmlns:a="http://schemas.openxmlformats.org/drawingml/2006/main" xmlns:r="http://schemas.openxmlformats.org/officeDocument/2006/relationships" xmlns:p="http://schemas.openxmlformats.org/presentationml/2006/main">
   <p:cSld>
     <p:spTree>
